--- a/DLTE-FinalProject/MODULE  INSURANCE.pptx
+++ b/DLTE-FinalProject/MODULE  INSURANCE.pptx
@@ -112,6 +112,11 @@
       </a:defRPr>
     </a:lvl9pPr>
   </p:defaultTextStyle>
+  <p:extLst>
+    <p:ext uri="{EFAFB233-063F-42B5-8137-9DF3F51BA10A}">
+      <p15:sldGuideLst xmlns:p15="http://schemas.microsoft.com/office/powerpoint/2012/main"/>
+    </p:ext>
+  </p:extLst>
 </p:presentation>
 </file>
 
@@ -20488,36 +20493,6 @@
           </p:txBody>
         </p:sp>
       </p:grpSp>
-      <p:pic>
-        <p:nvPicPr>
-          <p:cNvPr id="7" name="Picture 6">
-            <a:extLst>
-              <a:ext uri="{FF2B5EF4-FFF2-40B4-BE49-F238E27FC236}">
-                <a16:creationId xmlns:a16="http://schemas.microsoft.com/office/drawing/2014/main" id="{2BEBADEB-414D-E05D-4943-97E7ACBA3F8E}"/>
-              </a:ext>
-            </a:extLst>
-          </p:cNvPr>
-          <p:cNvPicPr>
-            <a:picLocks noChangeAspect="1"/>
-          </p:cNvPicPr>
-          <p:nvPr/>
-        </p:nvPicPr>
-        <p:blipFill>
-          <a:blip r:embed="rId2"/>
-          <a:stretch>
-            <a:fillRect/>
-          </a:stretch>
-        </p:blipFill>
-        <p:spPr>
-          <a:xfrm>
-            <a:off x="1361815" y="1721374"/>
-            <a:ext cx="8743238" cy="4343150"/>
-          </a:xfrm>
-          <a:prstGeom prst="rect">
-            <a:avLst/>
-          </a:prstGeom>
-        </p:spPr>
-      </p:pic>
       <p:grpSp>
         <p:nvGrpSpPr>
           <p:cNvPr id="22" name="Group 21">
@@ -21774,6 +21749,36 @@
           </p:txBody>
         </p:sp>
       </p:grpSp>
+      <p:pic>
+        <p:nvPicPr>
+          <p:cNvPr id="4" name="Picture 3">
+            <a:extLst>
+              <a:ext uri="{FF2B5EF4-FFF2-40B4-BE49-F238E27FC236}">
+                <a16:creationId xmlns:a16="http://schemas.microsoft.com/office/drawing/2014/main" id="{037A60D9-FE5B-5769-5EF9-9FD0AF67BB5C}"/>
+              </a:ext>
+            </a:extLst>
+          </p:cNvPr>
+          <p:cNvPicPr>
+            <a:picLocks noChangeAspect="1"/>
+          </p:cNvPicPr>
+          <p:nvPr/>
+        </p:nvPicPr>
+        <p:blipFill>
+          <a:blip r:embed="rId2"/>
+          <a:stretch>
+            <a:fillRect/>
+          </a:stretch>
+        </p:blipFill>
+        <p:spPr>
+          <a:xfrm>
+            <a:off x="1604238" y="1648946"/>
+            <a:ext cx="8901837" cy="4255671"/>
+          </a:xfrm>
+          <a:prstGeom prst="rect">
+            <a:avLst/>
+          </a:prstGeom>
+        </p:spPr>
+      </p:pic>
     </p:spTree>
     <p:extLst>
       <p:ext uri="{BB962C8B-B14F-4D97-AF65-F5344CB8AC3E}">

--- a/DLTE-FinalProject/MODULE  INSURANCE.pptx
+++ b/DLTE-FinalProject/MODULE  INSURANCE.pptx
@@ -3559,7 +3559,7 @@
         </p:nvSpPr>
         <p:spPr>
           <a:xfrm>
-            <a:off x="3371787" y="1741337"/>
+            <a:off x="3219526" y="1309389"/>
             <a:ext cx="5448730" cy="2387918"/>
           </a:xfrm>
         </p:spPr>
@@ -6340,6 +6340,59 @@
           </p:txBody>
         </p:sp>
       </p:grpSp>
+      <p:sp>
+        <p:nvSpPr>
+          <p:cNvPr id="3" name="TextBox 2">
+            <a:extLst>
+              <a:ext uri="{FF2B5EF4-FFF2-40B4-BE49-F238E27FC236}">
+                <a16:creationId xmlns:a16="http://schemas.microsoft.com/office/drawing/2014/main" id="{D8438AA8-92E3-5213-1103-F0ADD5686D52}"/>
+              </a:ext>
+            </a:extLst>
+          </p:cNvPr>
+          <p:cNvSpPr txBox="1"/>
+          <p:nvPr/>
+        </p:nvSpPr>
+        <p:spPr>
+          <a:xfrm>
+            <a:off x="171038" y="6028441"/>
+            <a:ext cx="3900196" cy="646331"/>
+          </a:xfrm>
+          <a:prstGeom prst="rect">
+            <a:avLst/>
+          </a:prstGeom>
+          <a:noFill/>
+        </p:spPr>
+        <p:txBody>
+          <a:bodyPr wrap="square" rtlCol="0">
+            <a:spAutoFit/>
+          </a:bodyPr>
+          <a:lstStyle/>
+          <a:p>
+            <a:r>
+              <a:rPr lang="en-US" dirty="0">
+                <a:solidFill>
+                  <a:schemeClr val="accent1">
+                    <a:lumMod val="50000"/>
+                  </a:schemeClr>
+                </a:solidFill>
+              </a:rPr>
+              <a:t>TEAM : WEALTH WARRIORS</a:t>
+            </a:r>
+          </a:p>
+          <a:p>
+            <a:r>
+              <a:rPr lang="en-US" dirty="0">
+                <a:solidFill>
+                  <a:schemeClr val="accent1">
+                    <a:lumMod val="50000"/>
+                  </a:schemeClr>
+                </a:solidFill>
+              </a:rPr>
+              <a:t>MODULE : INSURANCE</a:t>
+            </a:r>
+          </a:p>
+        </p:txBody>
+      </p:sp>
     </p:spTree>
     <p:extLst>
       <p:ext uri="{BB962C8B-B14F-4D97-AF65-F5344CB8AC3E}">
@@ -16531,16 +16584,20 @@
           </a:bodyPr>
           <a:lstStyle/>
           <a:p>
-            <a:pPr marL="457200" indent="-457200">
-              <a:buAutoNum type="arabicPeriod"/>
+            <a:pPr marL="0" indent="0">
+              <a:buNone/>
             </a:pPr>
             <a:r>
-              <a:rPr lang="en-US" sz="2000" b="1" u="sng" dirty="0"/>
-              <a:t>List all Insurances </a:t>
+              <a:rPr lang="en-US" sz="2000" dirty="0"/>
+              <a:t> 1</a:t>
             </a:r>
             <a:r>
               <a:rPr lang="en-US" sz="2000" b="1" dirty="0"/>
-              <a:t>: </a:t>
+              <a:t>. </a:t>
+            </a:r>
+            <a:r>
+              <a:rPr lang="en-US" sz="2000" b="1" u="sng" dirty="0"/>
+              <a:t>List all Insurances : </a:t>
             </a:r>
           </a:p>
           <a:p>
@@ -16615,7 +16672,7 @@
             <a:pPr algn="just"/>
             <a:r>
               <a:rPr lang="en-US" sz="2000" dirty="0"/>
-              <a:t>Allows the user to view the insurance details based on the insurance id.</a:t>
+              <a:t>Allows the user to view the insurance plan details based on the insurance id.</a:t>
             </a:r>
           </a:p>
           <a:p>
@@ -16641,15 +16698,7 @@
             <a:pPr algn="just"/>
             <a:r>
               <a:rPr lang="en-US" sz="2000" dirty="0"/>
-              <a:t>Enables the user to purchase a new insurance by specifying the insurance type, </a:t>
-            </a:r>
-            <a:r>
-              <a:rPr lang="en-US" sz="2000" dirty="0" err="1"/>
-              <a:t>name,etc</a:t>
-            </a:r>
-            <a:r>
-              <a:rPr lang="en-US" sz="2000" dirty="0"/>
-              <a:t>.</a:t>
+              <a:t>Enables the user to purchase a new insurance by specifying the insurance type, name etc.</a:t>
             </a:r>
           </a:p>
           <a:p>
@@ -17942,36 +17991,6 @@
           </p:txBody>
         </p:sp>
       </p:grpSp>
-      <p:pic>
-        <p:nvPicPr>
-          <p:cNvPr id="3" name="Picture 2">
-            <a:extLst>
-              <a:ext uri="{FF2B5EF4-FFF2-40B4-BE49-F238E27FC236}">
-                <a16:creationId xmlns:a16="http://schemas.microsoft.com/office/drawing/2014/main" id="{D5959950-5B30-FCE2-8563-F5A784FD513D}"/>
-              </a:ext>
-            </a:extLst>
-          </p:cNvPr>
-          <p:cNvPicPr>
-            <a:picLocks noChangeAspect="1"/>
-          </p:cNvPicPr>
-          <p:nvPr/>
-        </p:nvPicPr>
-        <p:blipFill>
-          <a:blip r:embed="rId2"/>
-          <a:stretch>
-            <a:fillRect/>
-          </a:stretch>
-        </p:blipFill>
-        <p:spPr>
-          <a:xfrm>
-            <a:off x="2143124" y="1009237"/>
-            <a:ext cx="8191501" cy="5753513"/>
-          </a:xfrm>
-          <a:prstGeom prst="rect">
-            <a:avLst/>
-          </a:prstGeom>
-        </p:spPr>
-      </p:pic>
       <p:grpSp>
         <p:nvGrpSpPr>
           <p:cNvPr id="47" name="Group 46">
@@ -19228,6 +19247,36 @@
           </p:txBody>
         </p:sp>
       </p:grpSp>
+      <p:pic>
+        <p:nvPicPr>
+          <p:cNvPr id="7" name="Picture 6">
+            <a:extLst>
+              <a:ext uri="{FF2B5EF4-FFF2-40B4-BE49-F238E27FC236}">
+                <a16:creationId xmlns:a16="http://schemas.microsoft.com/office/drawing/2014/main" id="{112EC03E-0E7F-AAC1-D434-0F350339989A}"/>
+              </a:ext>
+            </a:extLst>
+          </p:cNvPr>
+          <p:cNvPicPr>
+            <a:picLocks noChangeAspect="1"/>
+          </p:cNvPicPr>
+          <p:nvPr/>
+        </p:nvPicPr>
+        <p:blipFill>
+          <a:blip r:embed="rId2"/>
+          <a:stretch>
+            <a:fillRect/>
+          </a:stretch>
+        </p:blipFill>
+        <p:spPr>
+          <a:xfrm>
+            <a:off x="1795764" y="1201011"/>
+            <a:ext cx="8116433" cy="5652833"/>
+          </a:xfrm>
+          <a:prstGeom prst="rect">
+            <a:avLst/>
+          </a:prstGeom>
+        </p:spPr>
+      </p:pic>
     </p:spTree>
     <p:extLst>
       <p:ext uri="{BB962C8B-B14F-4D97-AF65-F5344CB8AC3E}">
@@ -21751,10 +21800,10 @@
       </p:grpSp>
       <p:pic>
         <p:nvPicPr>
-          <p:cNvPr id="4" name="Picture 3">
+          <p:cNvPr id="9" name="Picture 8">
             <a:extLst>
               <a:ext uri="{FF2B5EF4-FFF2-40B4-BE49-F238E27FC236}">
-                <a16:creationId xmlns:a16="http://schemas.microsoft.com/office/drawing/2014/main" id="{037A60D9-FE5B-5769-5EF9-9FD0AF67BB5C}"/>
+                <a16:creationId xmlns:a16="http://schemas.microsoft.com/office/drawing/2014/main" id="{0EE0CF13-E4D7-5340-0C80-EC1C0BA42211}"/>
               </a:ext>
             </a:extLst>
           </p:cNvPr>
@@ -21771,8 +21820,8 @@
         </p:blipFill>
         <p:spPr>
           <a:xfrm>
-            <a:off x="1604238" y="1648946"/>
-            <a:ext cx="8901837" cy="4255671"/>
+            <a:off x="904876" y="1723786"/>
+            <a:ext cx="10487024" cy="4180831"/>
           </a:xfrm>
           <a:prstGeom prst="rect">
             <a:avLst/>
@@ -26426,8 +26475,8 @@
         </p:nvSpPr>
         <p:spPr>
           <a:xfrm>
-            <a:off x="727788" y="1455576"/>
-            <a:ext cx="10235681" cy="4609322"/>
+            <a:off x="1530222" y="1316740"/>
+            <a:ext cx="8957388" cy="4609322"/>
           </a:xfrm>
         </p:spPr>
         <p:txBody>
@@ -26436,13 +26485,107 @@
           </a:bodyPr>
           <a:lstStyle/>
           <a:p>
+            <a:pPr marL="0" indent="0">
+              <a:buNone/>
+            </a:pPr>
+            <a:endParaRPr lang="en-US" sz="1200" dirty="0">
+              <a:hlinkClick r:id="rId2"/>
+            </a:endParaRPr>
+          </a:p>
+          <a:p>
+            <a:r>
+              <a:rPr lang="en-US" sz="1800" dirty="0">
+                <a:hlinkClick r:id="rId3"/>
+              </a:rPr>
+              <a:t>DLTE-JavaFullStack-Divija-2024/DLTE-</a:t>
+            </a:r>
             <a:r>
               <a:rPr lang="en-US" sz="1800" dirty="0" err="1">
-                <a:solidFill>
-                  <a:schemeClr val="tx2"/>
-                </a:solidFill>
+                <a:hlinkClick r:id="rId3"/>
               </a:rPr>
-              <a:t>jj</a:t>
+              <a:t>FinalProject</a:t>
+            </a:r>
+            <a:r>
+              <a:rPr lang="en-US" sz="1800" dirty="0">
+                <a:hlinkClick r:id="rId3"/>
+              </a:rPr>
+              <a:t>/</a:t>
+            </a:r>
+            <a:r>
+              <a:rPr lang="en-US" sz="1800" dirty="0" err="1">
+                <a:hlinkClick r:id="rId3"/>
+              </a:rPr>
+              <a:t>InsuranceDao</a:t>
+            </a:r>
+            <a:r>
+              <a:rPr lang="en-US" sz="1800" dirty="0">
+                <a:hlinkClick r:id="rId3"/>
+              </a:rPr>
+              <a:t>/target/insurance-0.0.1-SNAPSHOT.jar at master · </a:t>
+            </a:r>
+            <a:r>
+              <a:rPr lang="en-US" sz="1800" dirty="0" err="1">
+                <a:hlinkClick r:id="rId3"/>
+              </a:rPr>
+              <a:t>DivijaPat</a:t>
+            </a:r>
+            <a:r>
+              <a:rPr lang="en-US" sz="1800" dirty="0">
+                <a:hlinkClick r:id="rId3"/>
+              </a:rPr>
+              <a:t>/DLTE-JavaFullStack-Divija-2024 · GitHub</a:t>
+            </a:r>
+            <a:endParaRPr lang="en-US" sz="1800" dirty="0">
+              <a:hlinkClick r:id="rId2"/>
+            </a:endParaRPr>
+          </a:p>
+          <a:p>
+            <a:endParaRPr lang="en-US" sz="1800" dirty="0">
+              <a:hlinkClick r:id="rId2"/>
+            </a:endParaRPr>
+          </a:p>
+          <a:p>
+            <a:r>
+              <a:rPr lang="en-US" sz="1800" dirty="0">
+                <a:hlinkClick r:id="rId2"/>
+              </a:rPr>
+              <a:t>DLTE-JavaFullStack-Divija-2024/DLTE-</a:t>
+            </a:r>
+            <a:r>
+              <a:rPr lang="en-US" sz="1800" dirty="0" err="1">
+                <a:hlinkClick r:id="rId2"/>
+              </a:rPr>
+              <a:t>FinalProject</a:t>
+            </a:r>
+            <a:r>
+              <a:rPr lang="en-US" sz="1800" dirty="0">
+                <a:hlinkClick r:id="rId2"/>
+              </a:rPr>
+              <a:t>/</a:t>
+            </a:r>
+            <a:r>
+              <a:rPr lang="en-US" sz="1800" dirty="0" err="1">
+                <a:hlinkClick r:id="rId2"/>
+              </a:rPr>
+              <a:t>InsuranceWebservice</a:t>
+            </a:r>
+            <a:r>
+              <a:rPr lang="en-US" sz="1800" dirty="0">
+                <a:hlinkClick r:id="rId2"/>
+              </a:rPr>
+              <a:t>/target/webservice-0.0.1-SNAPSHOT.war at master · </a:t>
+            </a:r>
+            <a:r>
+              <a:rPr lang="en-US" sz="1800" dirty="0" err="1">
+                <a:hlinkClick r:id="rId2"/>
+              </a:rPr>
+              <a:t>DivijaPat</a:t>
+            </a:r>
+            <a:r>
+              <a:rPr lang="en-US" sz="1800" dirty="0">
+                <a:hlinkClick r:id="rId2"/>
+              </a:rPr>
+              <a:t>/DLTE-JavaFullStack-Divija-2024 · GitHub</a:t>
             </a:r>
             <a:endParaRPr lang="en-US" sz="1800" dirty="0">
               <a:solidFill>
@@ -30867,8 +31010,8 @@
         </p:nvSpPr>
         <p:spPr>
           <a:xfrm>
-            <a:off x="3713584" y="2696547"/>
-            <a:ext cx="2382416" cy="369332"/>
+            <a:off x="581008" y="2173035"/>
+            <a:ext cx="10646230" cy="369332"/>
           </a:xfrm>
           <a:prstGeom prst="rect">
             <a:avLst/>
@@ -30882,8 +31025,34 @@
           <a:lstStyle/>
           <a:p>
             <a:r>
-              <a:rPr lang="en-US" dirty="0" err="1"/>
-              <a:t>hj</a:t>
+              <a:rPr lang="en-US" dirty="0">
+                <a:hlinkClick r:id="rId2"/>
+              </a:rPr>
+              <a:t>DLTE-JavaFullStack-Divija-2024/DLTE-</a:t>
+            </a:r>
+            <a:r>
+              <a:rPr lang="en-US" dirty="0" err="1">
+                <a:hlinkClick r:id="rId2"/>
+              </a:rPr>
+              <a:t>FinalProject</a:t>
+            </a:r>
+            <a:r>
+              <a:rPr lang="en-US" dirty="0">
+                <a:hlinkClick r:id="rId2"/>
+              </a:rPr>
+              <a:t> at master · </a:t>
+            </a:r>
+            <a:r>
+              <a:rPr lang="en-US" dirty="0" err="1">
+                <a:hlinkClick r:id="rId2"/>
+              </a:rPr>
+              <a:t>DivijaPat</a:t>
+            </a:r>
+            <a:r>
+              <a:rPr lang="en-US" dirty="0">
+                <a:hlinkClick r:id="rId2"/>
+              </a:rPr>
+              <a:t>/DLTE-JavaFullStack-Divija-2024 · GitHub</a:t>
             </a:r>
             <a:endParaRPr lang="en-US" dirty="0"/>
           </a:p>
